--- a/proj_anc/doc/jswift/Active Noise Control.pptx
+++ b/proj_anc/doc/jswift/Active Noise Control.pptx
@@ -12,8 +12,8 @@
     <p:sldId id="258" r:id="rId3"/>
     <p:sldId id="259" r:id="rId4"/>
     <p:sldId id="260" r:id="rId5"/>
-    <p:sldId id="262" r:id="rId6"/>
-    <p:sldId id="261" r:id="rId7"/>
+    <p:sldId id="261" r:id="rId6"/>
+    <p:sldId id="262" r:id="rId7"/>
     <p:sldId id="263" r:id="rId8"/>
     <p:sldId id="264" r:id="rId9"/>
     <p:sldId id="265" r:id="rId10"/>
@@ -630,7 +630,15 @@
             </a:pPr>
             <a:r>
               <a:rPr lang="en-US" baseline="0" dirty="0" smtClean="0"/>
-              <a:t>The concept of this application would be used in places that are loud, such as in a night club, where people would want to talk to cancel out the ambient background noise in order to hear the desire signal, such as a waitress speaking. </a:t>
+              <a:t>The concept of this application would be used in places that are loud, such as in a night club, where people would want to talk </a:t>
+            </a:r>
+            <a:r>
+              <a:rPr lang="en-US" baseline="0" dirty="0" smtClean="0"/>
+              <a:t>and </a:t>
+            </a:r>
+            <a:r>
+              <a:rPr lang="en-US" baseline="0" dirty="0" smtClean="0"/>
+              <a:t>cancel out the ambient background noise in order to hear the desire signal, such as a waitress speaking. </a:t>
             </a:r>
           </a:p>
           <a:p>
@@ -1014,6 +1022,81 @@
             </a:endParaRPr>
           </a:p>
           <a:p>
+            <a:pPr marL="0" marR="0" indent="0" algn="l" defTabSz="914400" rtl="0" eaLnBrk="1" fontAlgn="auto" latinLnBrk="0" hangingPunct="1">
+              <a:lnSpc>
+                <a:spcPct val="100000"/>
+              </a:lnSpc>
+              <a:spcBef>
+                <a:spcPts val="0"/>
+              </a:spcBef>
+              <a:spcAft>
+                <a:spcPts val="0"/>
+              </a:spcAft>
+              <a:buClrTx/>
+              <a:buSzTx/>
+              <a:buFontTx/>
+              <a:buNone/>
+              <a:tabLst/>
+              <a:defRPr/>
+            </a:pPr>
+            <a:endParaRPr lang="en-US" sz="1200" dirty="0" smtClean="0">
+              <a:solidFill>
+                <a:schemeClr val="tx1"/>
+              </a:solidFill>
+            </a:endParaRPr>
+          </a:p>
+          <a:p>
+            <a:pPr marL="0" marR="0" indent="0" algn="l" defTabSz="914400" rtl="0" eaLnBrk="1" fontAlgn="auto" latinLnBrk="0" hangingPunct="1">
+              <a:lnSpc>
+                <a:spcPct val="100000"/>
+              </a:lnSpc>
+              <a:spcBef>
+                <a:spcPts val="0"/>
+              </a:spcBef>
+              <a:spcAft>
+                <a:spcPts val="0"/>
+              </a:spcAft>
+              <a:buClrTx/>
+              <a:buSzTx/>
+              <a:buFontTx/>
+              <a:buNone/>
+              <a:tabLst/>
+              <a:defRPr/>
+            </a:pPr>
+            <a:endParaRPr lang="en-US" sz="1200" dirty="0" smtClean="0">
+              <a:solidFill>
+                <a:schemeClr val="tx1"/>
+              </a:solidFill>
+            </a:endParaRPr>
+          </a:p>
+          <a:p>
+            <a:pPr marL="0" marR="0" indent="0" algn="l" defTabSz="914400" rtl="0" eaLnBrk="1" fontAlgn="auto" latinLnBrk="0" hangingPunct="1">
+              <a:lnSpc>
+                <a:spcPct val="100000"/>
+              </a:lnSpc>
+              <a:spcBef>
+                <a:spcPts val="0"/>
+              </a:spcBef>
+              <a:spcAft>
+                <a:spcPts val="0"/>
+              </a:spcAft>
+              <a:buClrTx/>
+              <a:buSzTx/>
+              <a:buFontTx/>
+              <a:buNone/>
+              <a:tabLst/>
+              <a:defRPr/>
+            </a:pPr>
+            <a:r>
+              <a:rPr lang="en-US" sz="1200" dirty="0" smtClean="0">
+                <a:solidFill>
+                  <a:schemeClr val="tx1"/>
+                </a:solidFill>
+              </a:rPr>
+              <a:t>Simple model based on a sum of the direct and reflected paths between  the loudspeaker and the listener</a:t>
+            </a:r>
+          </a:p>
+          <a:p>
             <a:endParaRPr lang="en-US" dirty="0"/>
           </a:p>
         </p:txBody>
@@ -1098,82 +1181,10 @@
           <a:bodyPr/>
           <a:lstStyle/>
           <a:p>
-            <a:pPr marL="0" indent="0">
-              <a:buNone/>
+            <a:pPr marL="171450" indent="-171450">
+              <a:buFont typeface="Arial" panose="020B0604020202020204" pitchFamily="34" charset="0"/>
+              <a:buChar char="•"/>
             </a:pPr>
-            <a:r>
-              <a:rPr lang="en-US" dirty="0" smtClean="0"/>
-              <a:t>Where X(n) is a vector</a:t>
-            </a:r>
-            <a:r>
-              <a:rPr lang="en-US" baseline="0" dirty="0" smtClean="0"/>
-              <a:t> of recent samples</a:t>
-            </a:r>
-          </a:p>
-          <a:p>
-            <a:pPr marL="0" indent="0">
-              <a:buNone/>
-            </a:pPr>
-            <a:r>
-              <a:rPr lang="en-US" sz="2800" baseline="0" dirty="0" smtClean="0">
-                <a:solidFill>
-                  <a:schemeClr val="tx1"/>
-                </a:solidFill>
-              </a:rPr>
-              <a:t>If optimum w wasn’t changing, there would be a closed formed solution; however w is constantly changing hence the need for a feedback system</a:t>
-            </a:r>
-          </a:p>
-          <a:p>
-            <a:pPr marL="0" indent="0">
-              <a:buNone/>
-            </a:pPr>
-            <a:endParaRPr lang="en-US" sz="2800" dirty="0" smtClean="0">
-              <a:solidFill>
-                <a:schemeClr val="tx1"/>
-              </a:solidFill>
-            </a:endParaRPr>
-          </a:p>
-          <a:p>
-            <a:pPr marL="0" indent="0">
-              <a:buNone/>
-            </a:pPr>
-            <a:r>
-              <a:rPr lang="en-US" sz="2800" dirty="0" smtClean="0">
-                <a:solidFill>
-                  <a:schemeClr val="tx1"/>
-                </a:solidFill>
-              </a:rPr>
-              <a:t>Normalized LMS</a:t>
-            </a:r>
-          </a:p>
-          <a:p>
-            <a:pPr lvl="1"/>
-            <a:r>
-              <a:rPr lang="en-US" sz="2000" dirty="0" smtClean="0">
-                <a:solidFill>
-                  <a:schemeClr val="tx1"/>
-                </a:solidFill>
-              </a:rPr>
-              <a:t>Sum of Squares of output </a:t>
-            </a:r>
-          </a:p>
-          <a:p>
-            <a:pPr lvl="1"/>
-            <a:r>
-              <a:rPr lang="en-US" sz="2000" dirty="0" smtClean="0">
-                <a:solidFill>
-                  <a:schemeClr val="tx1"/>
-                </a:solidFill>
-              </a:rPr>
-              <a:t>Filtered x LMS algorithm</a:t>
-            </a:r>
-            <a:endParaRPr lang="en-US" dirty="0" smtClean="0">
-              <a:solidFill>
-                <a:schemeClr val="tx1"/>
-              </a:solidFill>
-            </a:endParaRPr>
-          </a:p>
-          <a:p>
             <a:endParaRPr lang="en-US" dirty="0"/>
           </a:p>
         </p:txBody>
@@ -1204,7 +1215,7 @@
     </p:spTree>
     <p:extLst>
       <p:ext uri="{BB962C8B-B14F-4D97-AF65-F5344CB8AC3E}">
-        <p14:creationId xmlns:p14="http://schemas.microsoft.com/office/powerpoint/2010/main" val="2341125780"/>
+        <p14:creationId xmlns:p14="http://schemas.microsoft.com/office/powerpoint/2010/main" val="857526305"/>
       </p:ext>
     </p:extLst>
   </p:cSld>
@@ -1264,11 +1275,11 @@
             </a:pPr>
             <a:r>
               <a:rPr lang="en-US" dirty="0" smtClean="0"/>
-              <a:t>Take impulse</a:t>
+              <a:t>Where X(n) is a vector</a:t>
             </a:r>
             <a:r>
               <a:rPr lang="en-US" baseline="0" dirty="0" smtClean="0"/>
-              <a:t> response and filter signal from that in the feedback path</a:t>
+              <a:t> of recent samples</a:t>
             </a:r>
           </a:p>
           <a:p>
@@ -1277,8 +1288,12 @@
               <a:buChar char="•"/>
             </a:pPr>
             <a:r>
-              <a:rPr lang="en-US" baseline="0" dirty="0" smtClean="0"/>
-              <a:t>But difference between y and d is close to zero</a:t>
+              <a:rPr lang="en-US" sz="2800" baseline="0" dirty="0" smtClean="0">
+                <a:solidFill>
+                  <a:schemeClr val="tx1"/>
+                </a:solidFill>
+              </a:rPr>
+              <a:t>If optimum w wasn’t changing, there would be a closed formed solution; however w is constantly changing hence the need for a feedback system</a:t>
             </a:r>
           </a:p>
           <a:p>
@@ -1287,14 +1302,59 @@
               <a:buChar char="•"/>
             </a:pPr>
             <a:r>
-              <a:rPr lang="en-US" sz="1200" dirty="0" smtClean="0">
+              <a:rPr lang="en-US" sz="2800" dirty="0" smtClean="0"/>
+              <a:t>Take impulse</a:t>
+            </a:r>
+            <a:r>
+              <a:rPr lang="en-US" sz="2800" baseline="0" dirty="0" smtClean="0"/>
+              <a:t> response and filter signal from that in the feedback path</a:t>
+            </a:r>
+          </a:p>
+          <a:p>
+            <a:pPr marL="171450" indent="-171450">
+              <a:buFont typeface="Arial" panose="020B0604020202020204" pitchFamily="34" charset="0"/>
+              <a:buChar char="•"/>
+            </a:pPr>
+            <a:r>
+              <a:rPr lang="en-US" sz="2800" baseline="0" dirty="0" smtClean="0"/>
+              <a:t>Difference between y and d is close to zero</a:t>
+            </a:r>
+          </a:p>
+          <a:p>
+            <a:pPr marL="171450" indent="-171450">
+              <a:buFont typeface="Arial" panose="020B0604020202020204" pitchFamily="34" charset="0"/>
+              <a:buChar char="•"/>
+            </a:pPr>
+            <a:r>
+              <a:rPr lang="en-US" sz="2800" dirty="0" smtClean="0">
                 <a:solidFill>
                   <a:schemeClr val="tx1"/>
                 </a:solidFill>
               </a:rPr>
               <a:t>Sum total of all the noise we force to zero</a:t>
             </a:r>
-            <a:endParaRPr lang="en-US" dirty="0"/>
+            <a:endParaRPr lang="en-US" sz="2800" dirty="0" smtClean="0"/>
+          </a:p>
+          <a:p>
+            <a:pPr marL="457200" indent="-457200">
+              <a:buFont typeface="Arial" panose="020B0604020202020204" pitchFamily="34" charset="0"/>
+              <a:buChar char="•"/>
+            </a:pPr>
+            <a:endParaRPr lang="en-US" sz="2800" baseline="0" dirty="0" smtClean="0">
+              <a:solidFill>
+                <a:schemeClr val="tx1"/>
+              </a:solidFill>
+            </a:endParaRPr>
+          </a:p>
+          <a:p>
+            <a:pPr marL="0" indent="0">
+              <a:buNone/>
+            </a:pPr>
+            <a:endParaRPr lang="en-US" sz="2800" dirty="0" smtClean="0">
+              <a:solidFill>
+                <a:schemeClr val="tx1"/>
+              </a:solidFill>
+            </a:endParaRPr>
           </a:p>
         </p:txBody>
       </p:sp>
@@ -1324,7 +1384,7 @@
     </p:spTree>
     <p:extLst>
       <p:ext uri="{BB962C8B-B14F-4D97-AF65-F5344CB8AC3E}">
-        <p14:creationId xmlns:p14="http://schemas.microsoft.com/office/powerpoint/2010/main" val="857526305"/>
+        <p14:creationId xmlns:p14="http://schemas.microsoft.com/office/powerpoint/2010/main" val="2341125780"/>
       </p:ext>
     </p:extLst>
   </p:cSld>
@@ -1378,6 +1438,130 @@
           <a:bodyPr/>
           <a:lstStyle/>
           <a:p>
+            <a:pPr marL="0" indent="0">
+              <a:buNone/>
+            </a:pPr>
+            <a:r>
+              <a:rPr lang="en-US" sz="2800" dirty="0" smtClean="0">
+                <a:solidFill>
+                  <a:schemeClr val="tx1"/>
+                </a:solidFill>
+              </a:rPr>
+              <a:t>Normalized LMS</a:t>
+            </a:r>
+          </a:p>
+          <a:p>
+            <a:pPr lvl="1"/>
+            <a:r>
+              <a:rPr lang="en-US" sz="2000" dirty="0" smtClean="0">
+                <a:solidFill>
+                  <a:schemeClr val="tx1"/>
+                </a:solidFill>
+              </a:rPr>
+              <a:t>Sum of Squares of output </a:t>
+            </a:r>
+          </a:p>
+          <a:p>
+            <a:pPr lvl="1"/>
+            <a:r>
+              <a:rPr lang="en-US" sz="2000" dirty="0" smtClean="0">
+                <a:solidFill>
+                  <a:schemeClr val="tx1"/>
+                </a:solidFill>
+              </a:rPr>
+              <a:t>Filtered x LMS algorithm</a:t>
+            </a:r>
+            <a:endParaRPr lang="en-US" dirty="0" smtClean="0">
+              <a:solidFill>
+                <a:schemeClr val="tx1"/>
+              </a:solidFill>
+            </a:endParaRPr>
+          </a:p>
+          <a:p>
+            <a:endParaRPr lang="en-US" dirty="0"/>
+          </a:p>
+        </p:txBody>
+      </p:sp>
+      <p:sp>
+        <p:nvSpPr>
+          <p:cNvPr id="4" name="Slide Number Placeholder 3"/>
+          <p:cNvSpPr>
+            <a:spLocks noGrp="1"/>
+          </p:cNvSpPr>
+          <p:nvPr>
+            <p:ph type="sldNum" sz="quarter" idx="10"/>
+          </p:nvPr>
+        </p:nvSpPr>
+        <p:spPr/>
+        <p:txBody>
+          <a:bodyPr/>
+          <a:lstStyle/>
+          <a:p>
+            <a:fld id="{4AFCA449-1EBD-4030-80F2-088818060A8C}" type="slidenum">
+              <a:rPr lang="en-US" smtClean="0"/>
+              <a:t>7</a:t>
+            </a:fld>
+            <a:endParaRPr lang="en-US"/>
+          </a:p>
+        </p:txBody>
+      </p:sp>
+    </p:spTree>
+    <p:extLst>
+      <p:ext uri="{BB962C8B-B14F-4D97-AF65-F5344CB8AC3E}">
+        <p14:creationId xmlns:p14="http://schemas.microsoft.com/office/powerpoint/2010/main" val="1862020028"/>
+      </p:ext>
+    </p:extLst>
+  </p:cSld>
+  <p:clrMapOvr>
+    <a:masterClrMapping/>
+  </p:clrMapOvr>
+</p:notes>
+</file>
+
+<file path=ppt/notesSlides/notesSlide8.xml><?xml version="1.0" encoding="utf-8"?>
+<p:notes xmlns:a="http://schemas.openxmlformats.org/drawingml/2006/main" xmlns:r="http://schemas.openxmlformats.org/officeDocument/2006/relationships" xmlns:p="http://schemas.openxmlformats.org/presentationml/2006/main">
+  <p:cSld>
+    <p:spTree>
+      <p:nvGrpSpPr>
+        <p:cNvPr id="1" name=""/>
+        <p:cNvGrpSpPr/>
+        <p:nvPr/>
+      </p:nvGrpSpPr>
+      <p:grpSpPr>
+        <a:xfrm>
+          <a:off x="0" y="0"/>
+          <a:ext cx="0" cy="0"/>
+          <a:chOff x="0" y="0"/>
+          <a:chExt cx="0" cy="0"/>
+        </a:xfrm>
+      </p:grpSpPr>
+      <p:sp>
+        <p:nvSpPr>
+          <p:cNvPr id="2" name="Slide Image Placeholder 1"/>
+          <p:cNvSpPr>
+            <a:spLocks noGrp="1" noRot="1" noChangeAspect="1"/>
+          </p:cNvSpPr>
+          <p:nvPr>
+            <p:ph type="sldImg"/>
+          </p:nvPr>
+        </p:nvSpPr>
+        <p:spPr/>
+      </p:sp>
+      <p:sp>
+        <p:nvSpPr>
+          <p:cNvPr id="3" name="Notes Placeholder 2"/>
+          <p:cNvSpPr>
+            <a:spLocks noGrp="1"/>
+          </p:cNvSpPr>
+          <p:nvPr>
+            <p:ph type="body" idx="1"/>
+          </p:nvPr>
+        </p:nvSpPr>
+        <p:spPr/>
+        <p:txBody>
+          <a:bodyPr/>
+          <a:lstStyle/>
+          <a:p>
             <a:r>
               <a:rPr lang="en-US" dirty="0" smtClean="0"/>
               <a:t>This</a:t>
@@ -1481,7 +1665,7 @@
 </p:notes>
 </file>
 
-<file path=ppt/notesSlides/notesSlide8.xml><?xml version="1.0" encoding="utf-8"?>
+<file path=ppt/notesSlides/notesSlide9.xml><?xml version="1.0" encoding="utf-8"?>
 <p:notes xmlns:a="http://schemas.openxmlformats.org/drawingml/2006/main" xmlns:r="http://schemas.openxmlformats.org/officeDocument/2006/relationships" xmlns:p="http://schemas.openxmlformats.org/presentationml/2006/main">
   <p:cSld>
     <p:spTree>
@@ -5237,6 +5421,111 @@
           </a:p>
         </p:txBody>
       </p:sp>
+      <p:sp>
+        <p:nvSpPr>
+          <p:cNvPr id="3" name="TextBox 2"/>
+          <p:cNvSpPr txBox="1"/>
+          <p:nvPr/>
+        </p:nvSpPr>
+        <p:spPr>
+          <a:xfrm>
+            <a:off x="3429000" y="6066503"/>
+            <a:ext cx="2057400" cy="338554"/>
+          </a:xfrm>
+          <a:prstGeom prst="rect">
+            <a:avLst/>
+          </a:prstGeom>
+          <a:noFill/>
+        </p:spPr>
+        <p:txBody>
+          <a:bodyPr wrap="square" rtlCol="0">
+            <a:spAutoFit/>
+          </a:bodyPr>
+          <a:lstStyle/>
+          <a:p>
+            <a:pPr algn="ctr"/>
+            <a:r>
+              <a:rPr lang="en-US" sz="1600" dirty="0"/>
+              <a:t>T</a:t>
+            </a:r>
+            <a:r>
+              <a:rPr lang="en-US" sz="1600" dirty="0" smtClean="0"/>
+              <a:t>ime</a:t>
+            </a:r>
+            <a:endParaRPr lang="en-US" sz="1600" dirty="0"/>
+          </a:p>
+        </p:txBody>
+      </p:sp>
+      <p:sp>
+        <p:nvSpPr>
+          <p:cNvPr id="7" name="TextBox 6"/>
+          <p:cNvSpPr txBox="1"/>
+          <p:nvPr/>
+        </p:nvSpPr>
+        <p:spPr>
+          <a:xfrm>
+            <a:off x="1222986" y="2337619"/>
+            <a:ext cx="461665" cy="3048714"/>
+          </a:xfrm>
+          <a:prstGeom prst="rect">
+            <a:avLst/>
+          </a:prstGeom>
+          <a:noFill/>
+        </p:spPr>
+        <p:txBody>
+          <a:bodyPr vert="vert270" wrap="square" rtlCol="0">
+            <a:spAutoFit/>
+          </a:bodyPr>
+          <a:lstStyle/>
+          <a:p>
+            <a:pPr algn="ctr"/>
+            <a:r>
+              <a:rPr lang="en-US" dirty="0" smtClean="0"/>
+              <a:t>Value of  Filter tap weight</a:t>
+            </a:r>
+            <a:endParaRPr lang="en-US" dirty="0"/>
+          </a:p>
+        </p:txBody>
+      </p:sp>
+      <p:sp>
+        <p:nvSpPr>
+          <p:cNvPr id="8" name="TextBox 7"/>
+          <p:cNvSpPr txBox="1"/>
+          <p:nvPr/>
+        </p:nvSpPr>
+        <p:spPr>
+          <a:xfrm>
+            <a:off x="7239000" y="3428772"/>
+            <a:ext cx="1295400" cy="923330"/>
+          </a:xfrm>
+          <a:prstGeom prst="rect">
+            <a:avLst/>
+          </a:prstGeom>
+          <a:noFill/>
+        </p:spPr>
+        <p:txBody>
+          <a:bodyPr wrap="square" rtlCol="0">
+            <a:spAutoFit/>
+          </a:bodyPr>
+          <a:lstStyle/>
+          <a:p>
+            <a:pPr algn="ctr"/>
+            <a:r>
+              <a:rPr lang="en-US" b="1" dirty="0" smtClean="0"/>
+              <a:t>Finite Impulse </a:t>
+            </a:r>
+            <a:r>
+              <a:rPr lang="en-US" b="1" dirty="0"/>
+              <a:t>R</a:t>
+            </a:r>
+            <a:r>
+              <a:rPr lang="en-US" b="1" dirty="0" smtClean="0"/>
+              <a:t>esponse</a:t>
+            </a:r>
+            <a:endParaRPr lang="en-US" b="1" dirty="0"/>
+          </a:p>
+        </p:txBody>
+      </p:sp>
     </p:spTree>
     <p:extLst>
       <p:ext uri="{BB962C8B-B14F-4D97-AF65-F5344CB8AC3E}">
@@ -5319,7 +5608,7 @@
         <p:spPr/>
         <p:txBody>
           <a:bodyPr>
-            <a:normAutofit/>
+            <a:normAutofit fontScale="85000" lnSpcReduction="20000"/>
           </a:bodyPr>
           <a:lstStyle/>
           <a:p>
@@ -5384,6 +5673,117 @@
               </a:rPr>
               <a:t>For the number </a:t>
             </a:r>
+            <a:r>
+              <a:rPr lang="en-US" sz="2800" dirty="0">
+                <a:solidFill>
+                  <a:schemeClr val="tx1"/>
+                </a:solidFill>
+              </a:rPr>
+              <a:t>of sub-segments of length N that we can make from d</a:t>
+            </a:r>
+            <a:r>
+              <a:rPr lang="en-US" sz="2800" dirty="0" smtClean="0">
+                <a:solidFill>
+                  <a:schemeClr val="tx1"/>
+                </a:solidFill>
+              </a:rPr>
+              <a:t>, </a:t>
+            </a:r>
+            <a:r>
+              <a:rPr lang="en-US" sz="2800" dirty="0">
+                <a:solidFill>
+                  <a:schemeClr val="tx1"/>
+                </a:solidFill>
+              </a:rPr>
+              <a:t>stepping by one, such that all samples of each sub-segment are fully contained in </a:t>
+            </a:r>
+            <a:r>
+              <a:rPr lang="en-US" sz="2800" dirty="0" smtClean="0">
+                <a:solidFill>
+                  <a:schemeClr val="tx1"/>
+                </a:solidFill>
+              </a:rPr>
+              <a:t>d</a:t>
+            </a:r>
+          </a:p>
+          <a:p>
+            <a:r>
+              <a:rPr lang="en-US" sz="2800" dirty="0" smtClean="0">
+                <a:solidFill>
+                  <a:schemeClr val="tx1"/>
+                </a:solidFill>
+                <a:sym typeface="Wingdings" panose="05000000000000000000" pitchFamily="2" charset="2"/>
+              </a:rPr>
+              <a:t>Normalize accumulate auto and cross-correlation</a:t>
+            </a:r>
+          </a:p>
+          <a:p>
+            <a:r>
+              <a:rPr lang="en-US" sz="2800" dirty="0" smtClean="0">
+                <a:solidFill>
+                  <a:schemeClr val="tx1"/>
+                </a:solidFill>
+              </a:rPr>
+              <a:t>Compute </a:t>
+            </a:r>
+            <a:r>
+              <a:rPr lang="en-US" sz="2800" dirty="0">
+                <a:solidFill>
+                  <a:schemeClr val="tx1"/>
+                </a:solidFill>
+              </a:rPr>
+              <a:t>impulse response to produce the least </a:t>
+            </a:r>
+            <a:r>
+              <a:rPr lang="en-US" sz="2800" dirty="0" smtClean="0">
+                <a:solidFill>
+                  <a:schemeClr val="tx1"/>
+                </a:solidFill>
+              </a:rPr>
+              <a:t>sum-of-squares discrepancy </a:t>
+            </a:r>
+            <a:r>
+              <a:rPr lang="en-US" sz="2800" dirty="0">
+                <a:solidFill>
+                  <a:schemeClr val="tx1"/>
+                </a:solidFill>
+              </a:rPr>
+              <a:t>between x filtered by </a:t>
+            </a:r>
+            <a:r>
+              <a:rPr lang="en-US" sz="2800" b="1" i="1" dirty="0">
+                <a:solidFill>
+                  <a:schemeClr val="tx1"/>
+                </a:solidFill>
+              </a:rPr>
+              <a:t>w</a:t>
+            </a:r>
+            <a:r>
+              <a:rPr lang="en-US" sz="2800" dirty="0">
+                <a:solidFill>
+                  <a:schemeClr val="tx1"/>
+                </a:solidFill>
+              </a:rPr>
+              <a:t>, and </a:t>
+            </a:r>
+            <a:r>
+              <a:rPr lang="en-US" sz="2800" dirty="0" smtClean="0">
+                <a:solidFill>
+                  <a:schemeClr val="tx1"/>
+                </a:solidFill>
+              </a:rPr>
+              <a:t>d</a:t>
+            </a:r>
+            <a:endParaRPr lang="en-US" sz="2800" dirty="0">
+              <a:solidFill>
+                <a:schemeClr val="tx1"/>
+              </a:solidFill>
+            </a:endParaRPr>
+          </a:p>
+          <a:p>
+            <a:endParaRPr lang="en-US" sz="2800" dirty="0"/>
+          </a:p>
+          <a:p>
             <a:endParaRPr lang="en-US" sz="2800" dirty="0">
               <a:solidFill>
                 <a:schemeClr val="tx1"/>
@@ -5540,30 +5940,6 @@
             </a:r>
           </a:p>
           <a:p>
-            <a:r>
-              <a:rPr lang="en-US" sz="2800" dirty="0" smtClean="0">
-                <a:solidFill>
-                  <a:schemeClr val="tx1"/>
-                </a:solidFill>
-              </a:rPr>
-              <a:t>Automated </a:t>
-            </a:r>
-            <a:r>
-              <a:rPr lang="en-US" sz="2800" dirty="0" smtClean="0">
-                <a:solidFill>
-                  <a:schemeClr val="tx1"/>
-                </a:solidFill>
-              </a:rPr>
-              <a:t>experimental process created in </a:t>
-            </a:r>
-            <a:r>
-              <a:rPr lang="en-US" sz="2800" dirty="0" smtClean="0">
-                <a:solidFill>
-                  <a:schemeClr val="tx1"/>
-                </a:solidFill>
-              </a:rPr>
-              <a:t>PERL</a:t>
-            </a:r>
             <a:endParaRPr lang="en-US" sz="2800" dirty="0" smtClean="0">
               <a:solidFill>
                 <a:schemeClr val="tx1"/>
@@ -5571,6 +5947,30 @@
             </a:endParaRPr>
           </a:p>
           <a:p>
+            <a:r>
+              <a:rPr lang="en-US" sz="2800" dirty="0" smtClean="0">
+                <a:solidFill>
+                  <a:schemeClr val="tx1"/>
+                </a:solidFill>
+              </a:rPr>
+              <a:t>Automated </a:t>
+            </a:r>
+            <a:r>
+              <a:rPr lang="en-US" sz="2800" dirty="0" smtClean="0">
+                <a:solidFill>
+                  <a:schemeClr val="tx1"/>
+                </a:solidFill>
+              </a:rPr>
+              <a:t>experimental process created in </a:t>
+            </a:r>
+            <a:r>
+              <a:rPr lang="en-US" sz="2800" dirty="0" smtClean="0">
+                <a:solidFill>
+                  <a:schemeClr val="tx1"/>
+                </a:solidFill>
+              </a:rPr>
+              <a:t>PERL</a:t>
+            </a:r>
             <a:endParaRPr lang="en-US" sz="2800" dirty="0" smtClean="0">
               <a:solidFill>
                 <a:schemeClr val="tx1"/>
@@ -5578,6 +5978,13 @@
             </a:endParaRPr>
           </a:p>
           <a:p>
+            <a:endParaRPr lang="en-US" sz="2800" dirty="0" smtClean="0">
+              <a:solidFill>
+                <a:schemeClr val="tx1"/>
+              </a:solidFill>
+            </a:endParaRPr>
+          </a:p>
+          <a:p>
             <a:r>
               <a:rPr lang="en-US" sz="2800" dirty="0" smtClean="0">
                 <a:solidFill>
@@ -5585,6 +5992,28 @@
                 </a:solidFill>
               </a:rPr>
               <a:t>Future Works:</a:t>
+            </a:r>
+          </a:p>
+          <a:p>
+            <a:pPr lvl="1"/>
+            <a:r>
+              <a:rPr lang="en-US" sz="2000" dirty="0" smtClean="0">
+                <a:solidFill>
+                  <a:schemeClr val="tx1"/>
+                </a:solidFill>
+              </a:rPr>
+              <a:t>Adapting quicker</a:t>
+            </a:r>
+          </a:p>
+          <a:p>
+            <a:pPr lvl="1"/>
+            <a:r>
+              <a:rPr lang="en-US" sz="2000" dirty="0" smtClean="0">
+                <a:solidFill>
+                  <a:schemeClr val="tx1"/>
+                </a:solidFill>
+              </a:rPr>
+              <a:t>Testing without perfect Impulses</a:t>
             </a:r>
           </a:p>
           <a:p>
@@ -6473,25 +6902,6 @@
               <a:t>Questions</a:t>
             </a:r>
             <a:endParaRPr lang="en-US" dirty="0"/>
-          </a:p>
-        </p:txBody>
-      </p:sp>
-      <p:sp>
-        <p:nvSpPr>
-          <p:cNvPr id="3" name="Text Placeholder 2"/>
-          <p:cNvSpPr>
-            <a:spLocks noGrp="1"/>
-          </p:cNvSpPr>
-          <p:nvPr>
-            <p:ph type="body" idx="1"/>
-          </p:nvPr>
-        </p:nvSpPr>
-        <p:spPr/>
-        <p:txBody>
-          <a:bodyPr/>
-          <a:lstStyle/>
-          <a:p>
-            <a:endParaRPr lang="en-US"/>
           </a:p>
         </p:txBody>
       </p:sp>
@@ -7169,7 +7579,7 @@
             </p:spPr>
             <p:txBody>
               <a:bodyPr numCol="1">
-                <a:normAutofit fontScale="92500" lnSpcReduction="10000"/>
+                <a:normAutofit/>
               </a:bodyPr>
               <a:lstStyle/>
               <a:p>
@@ -7179,7 +7589,7 @@
                       <a:schemeClr val="tx1"/>
                     </a:solidFill>
                   </a:rPr>
-                  <a:t>Simple model based on a sum of the direct and reflected paths between  the loudspeaker and the listener</a:t>
+                  <a:t>Sum of the direct and reflected paths between  the loudspeaker and the listener</a:t>
                 </a:r>
               </a:p>
               <a:p>
@@ -7411,7 +7821,7 @@
               <a:blipFill rotWithShape="1">
                 <a:blip r:embed="rId4"/>
                 <a:stretch>
-                  <a:fillRect l="-1132" t="-3456" r="-2113" b="-1944"/>
+                  <a:fillRect l="-1283" t="-2160" b="-4104"/>
                 </a:stretch>
               </a:blipFill>
             </p:spPr>
@@ -7497,6 +7907,287 @@
 </file>
 
 <file path=ppt/slides/slide5.xml><?xml version="1.0" encoding="utf-8"?>
+<p:sld xmlns:a="http://schemas.openxmlformats.org/drawingml/2006/main" xmlns:r="http://schemas.openxmlformats.org/officeDocument/2006/relationships" xmlns:p="http://schemas.openxmlformats.org/presentationml/2006/main">
+  <p:cSld>
+    <p:spTree>
+      <p:nvGrpSpPr>
+        <p:cNvPr id="1" name=""/>
+        <p:cNvGrpSpPr/>
+        <p:nvPr/>
+      </p:nvGrpSpPr>
+      <p:grpSpPr>
+        <a:xfrm>
+          <a:off x="0" y="0"/>
+          <a:ext cx="0" cy="0"/>
+          <a:chOff x="0" y="0"/>
+          <a:chExt cx="0" cy="0"/>
+        </a:xfrm>
+      </p:grpSpPr>
+      <p:sp>
+        <p:nvSpPr>
+          <p:cNvPr id="2" name="Title 1"/>
+          <p:cNvSpPr>
+            <a:spLocks noGrp="1"/>
+          </p:cNvSpPr>
+          <p:nvPr>
+            <p:ph type="title"/>
+          </p:nvPr>
+        </p:nvSpPr>
+        <p:spPr/>
+        <p:txBody>
+          <a:bodyPr/>
+          <a:lstStyle/>
+          <a:p>
+            <a:r>
+              <a:rPr lang="en-US" dirty="0" smtClean="0"/>
+              <a:t>LMS Block Based </a:t>
+            </a:r>
+            <a:r>
+              <a:rPr lang="en-US" dirty="0" smtClean="0"/>
+              <a:t>Approach</a:t>
+            </a:r>
+            <a:endParaRPr lang="en-US" dirty="0"/>
+          </a:p>
+        </p:txBody>
+      </p:sp>
+      <p:sp>
+        <p:nvSpPr>
+          <p:cNvPr id="3" name="Content Placeholder 2"/>
+          <p:cNvSpPr>
+            <a:spLocks noGrp="1"/>
+          </p:cNvSpPr>
+          <p:nvPr>
+            <p:ph idx="1"/>
+          </p:nvPr>
+        </p:nvSpPr>
+        <p:spPr/>
+        <p:txBody>
+          <a:bodyPr>
+            <a:normAutofit/>
+          </a:bodyPr>
+          <a:lstStyle/>
+          <a:p>
+            <a:endParaRPr lang="en-US" sz="2800" dirty="0" smtClean="0">
+              <a:solidFill>
+                <a:schemeClr val="tx1"/>
+              </a:solidFill>
+            </a:endParaRPr>
+          </a:p>
+          <a:p>
+            <a:r>
+              <a:rPr lang="en-US" sz="2800" dirty="0" smtClean="0">
+                <a:solidFill>
+                  <a:schemeClr val="tx1"/>
+                </a:solidFill>
+              </a:rPr>
+              <a:t>Produces </a:t>
+            </a:r>
+            <a:r>
+              <a:rPr lang="en-US" sz="2800" dirty="0" smtClean="0">
+                <a:solidFill>
+                  <a:schemeClr val="tx1"/>
+                </a:solidFill>
+              </a:rPr>
+              <a:t>Output Signal and Estimated Error </a:t>
+            </a:r>
+          </a:p>
+          <a:p>
+            <a:endParaRPr lang="en-US" sz="2800" dirty="0" smtClean="0">
+              <a:solidFill>
+                <a:schemeClr val="tx1"/>
+              </a:solidFill>
+            </a:endParaRPr>
+          </a:p>
+          <a:p>
+            <a:r>
+              <a:rPr lang="en-US" sz="2800" dirty="0" smtClean="0">
+                <a:solidFill>
+                  <a:schemeClr val="tx1"/>
+                </a:solidFill>
+              </a:rPr>
+              <a:t>Uses </a:t>
+            </a:r>
+            <a:r>
+              <a:rPr lang="en-US" sz="2800" dirty="0">
+                <a:solidFill>
+                  <a:schemeClr val="tx1"/>
+                </a:solidFill>
+              </a:rPr>
+              <a:t>Error Signal to </a:t>
+            </a:r>
+            <a:r>
+              <a:rPr lang="en-US" sz="2800" dirty="0" smtClean="0">
+                <a:solidFill>
+                  <a:schemeClr val="tx1"/>
+                </a:solidFill>
+              </a:rPr>
+              <a:t>Adjust the Filter’s Tap Weights to Create an Adaptive Filter</a:t>
+            </a:r>
+            <a:endParaRPr lang="en-US" sz="2800" dirty="0">
+              <a:solidFill>
+                <a:schemeClr val="tx1"/>
+              </a:solidFill>
+            </a:endParaRPr>
+          </a:p>
+          <a:p>
+            <a:pPr lvl="1"/>
+            <a:r>
+              <a:rPr lang="en-US" sz="2000" dirty="0">
+                <a:solidFill>
+                  <a:schemeClr val="tx1"/>
+                </a:solidFill>
+              </a:rPr>
+              <a:t>Adaptive </a:t>
+            </a:r>
+            <a:r>
+              <a:rPr lang="en-US" sz="2000" dirty="0" smtClean="0">
+                <a:solidFill>
+                  <a:schemeClr val="tx1"/>
+                </a:solidFill>
+              </a:rPr>
+              <a:t>Canceller</a:t>
+            </a:r>
+          </a:p>
+          <a:p>
+            <a:pPr lvl="1"/>
+            <a:r>
+              <a:rPr lang="en-US" sz="2000" dirty="0" smtClean="0">
+                <a:solidFill>
+                  <a:schemeClr val="tx1"/>
+                </a:solidFill>
+              </a:rPr>
+              <a:t>Desired signal trains </a:t>
+            </a:r>
+            <a:r>
+              <a:rPr lang="en-US" sz="2000" dirty="0">
+                <a:solidFill>
+                  <a:schemeClr val="tx1"/>
+                </a:solidFill>
+              </a:rPr>
+              <a:t>the filter</a:t>
+            </a:r>
+          </a:p>
+          <a:p>
+            <a:pPr lvl="1"/>
+            <a:r>
+              <a:rPr lang="en-US" sz="2000" dirty="0">
+                <a:solidFill>
+                  <a:schemeClr val="tx1"/>
+                </a:solidFill>
+              </a:rPr>
+              <a:t>System Identification-the combined response of mic model and </a:t>
+            </a:r>
+            <a:r>
+              <a:rPr lang="en-US" sz="2000" dirty="0" err="1">
+                <a:solidFill>
+                  <a:schemeClr val="tx1"/>
+                </a:solidFill>
+              </a:rPr>
+              <a:t>hs</a:t>
+            </a:r>
+            <a:r>
+              <a:rPr lang="en-US" sz="2000" dirty="0">
+                <a:solidFill>
+                  <a:schemeClr val="tx1"/>
+                </a:solidFill>
+              </a:rPr>
+              <a:t> model</a:t>
+            </a:r>
+          </a:p>
+          <a:p>
+            <a:endParaRPr lang="en-US" sz="2800" dirty="0" smtClean="0">
+              <a:solidFill>
+                <a:schemeClr val="tx1"/>
+              </a:solidFill>
+            </a:endParaRPr>
+          </a:p>
+          <a:p>
+            <a:pPr marL="457200" lvl="1" indent="0">
+              <a:buNone/>
+            </a:pPr>
+            <a:endParaRPr lang="en-US" sz="2000" dirty="0" smtClean="0">
+              <a:solidFill>
+                <a:schemeClr val="tx1"/>
+              </a:solidFill>
+            </a:endParaRPr>
+          </a:p>
+          <a:p>
+            <a:pPr lvl="1"/>
+            <a:endParaRPr lang="en-US" dirty="0" smtClean="0"/>
+          </a:p>
+          <a:p>
+            <a:pPr lvl="1"/>
+            <a:endParaRPr lang="en-US" dirty="0"/>
+          </a:p>
+        </p:txBody>
+      </p:sp>
+      <p:sp>
+        <p:nvSpPr>
+          <p:cNvPr id="4" name="Footer Placeholder 3"/>
+          <p:cNvSpPr>
+            <a:spLocks noGrp="1"/>
+          </p:cNvSpPr>
+          <p:nvPr>
+            <p:ph type="ftr" sz="quarter" idx="11"/>
+          </p:nvPr>
+        </p:nvSpPr>
+        <p:spPr/>
+        <p:txBody>
+          <a:bodyPr/>
+          <a:lstStyle/>
+          <a:p>
+            <a:r>
+              <a:rPr lang="en-US" smtClean="0"/>
+              <a:t>TCNJ MUSE 2015</a:t>
+            </a:r>
+            <a:endParaRPr lang="en-US"/>
+          </a:p>
+        </p:txBody>
+      </p:sp>
+      <p:sp>
+        <p:nvSpPr>
+          <p:cNvPr id="5" name="Slide Number Placeholder 4"/>
+          <p:cNvSpPr>
+            <a:spLocks noGrp="1"/>
+          </p:cNvSpPr>
+          <p:nvPr>
+            <p:ph type="sldNum" sz="quarter" idx="12"/>
+          </p:nvPr>
+        </p:nvSpPr>
+        <p:spPr/>
+        <p:txBody>
+          <a:bodyPr/>
+          <a:lstStyle/>
+          <a:p>
+            <a:fld id="{C53DB21E-FC87-4CEB-9F08-72115818CB5C}" type="slidenum">
+              <a:rPr lang="en-US" smtClean="0"/>
+              <a:t>5</a:t>
+            </a:fld>
+            <a:endParaRPr lang="en-US"/>
+          </a:p>
+        </p:txBody>
+      </p:sp>
+    </p:spTree>
+    <p:extLst>
+      <p:ext uri="{BB962C8B-B14F-4D97-AF65-F5344CB8AC3E}">
+        <p14:creationId xmlns:p14="http://schemas.microsoft.com/office/powerpoint/2010/main" val="298628812"/>
+      </p:ext>
+    </p:extLst>
+  </p:cSld>
+  <p:clrMapOvr>
+    <a:masterClrMapping/>
+  </p:clrMapOvr>
+  <p:timing>
+    <p:tnLst>
+      <p:par>
+        <p:cTn id="1" dur="indefinite" restart="never" nodeType="tmRoot"/>
+      </p:par>
+    </p:tnLst>
+  </p:timing>
+</p:sld>
+</file>
+
+<file path=ppt/slides/slide6.xml><?xml version="1.0" encoding="utf-8"?>
 <p:sld xmlns:a="http://schemas.openxmlformats.org/drawingml/2006/main" xmlns:r="http://schemas.openxmlformats.org/officeDocument/2006/relationships" xmlns:p="http://schemas.openxmlformats.org/presentationml/2006/main">
   <p:cSld>
     <p:spTree>
@@ -8375,7 +9066,7 @@
           <a:p>
             <a:fld id="{C53DB21E-FC87-4CEB-9F08-72115818CB5C}" type="slidenum">
               <a:rPr lang="en-US" smtClean="0"/>
-              <a:t>5</a:t>
+              <a:t>6</a:t>
             </a:fld>
             <a:endParaRPr lang="en-US"/>
           </a:p>
@@ -8385,287 +9076,6 @@
     <p:extLst>
       <p:ext uri="{BB962C8B-B14F-4D97-AF65-F5344CB8AC3E}">
         <p14:creationId xmlns:p14="http://schemas.microsoft.com/office/powerpoint/2010/main" val="3520692771"/>
-      </p:ext>
-    </p:extLst>
-  </p:cSld>
-  <p:clrMapOvr>
-    <a:masterClrMapping/>
-  </p:clrMapOvr>
-  <p:timing>
-    <p:tnLst>
-      <p:par>
-        <p:cTn id="1" dur="indefinite" restart="never" nodeType="tmRoot"/>
-      </p:par>
-    </p:tnLst>
-  </p:timing>
-</p:sld>
-</file>
-
-<file path=ppt/slides/slide6.xml><?xml version="1.0" encoding="utf-8"?>
-<p:sld xmlns:a="http://schemas.openxmlformats.org/drawingml/2006/main" xmlns:r="http://schemas.openxmlformats.org/officeDocument/2006/relationships" xmlns:p="http://schemas.openxmlformats.org/presentationml/2006/main">
-  <p:cSld>
-    <p:spTree>
-      <p:nvGrpSpPr>
-        <p:cNvPr id="1" name=""/>
-        <p:cNvGrpSpPr/>
-        <p:nvPr/>
-      </p:nvGrpSpPr>
-      <p:grpSpPr>
-        <a:xfrm>
-          <a:off x="0" y="0"/>
-          <a:ext cx="0" cy="0"/>
-          <a:chOff x="0" y="0"/>
-          <a:chExt cx="0" cy="0"/>
-        </a:xfrm>
-      </p:grpSpPr>
-      <p:sp>
-        <p:nvSpPr>
-          <p:cNvPr id="2" name="Title 1"/>
-          <p:cNvSpPr>
-            <a:spLocks noGrp="1"/>
-          </p:cNvSpPr>
-          <p:nvPr>
-            <p:ph type="title"/>
-          </p:nvPr>
-        </p:nvSpPr>
-        <p:spPr/>
-        <p:txBody>
-          <a:bodyPr/>
-          <a:lstStyle/>
-          <a:p>
-            <a:r>
-              <a:rPr lang="en-US" dirty="0" smtClean="0"/>
-              <a:t>LMS Block Based </a:t>
-            </a:r>
-            <a:r>
-              <a:rPr lang="en-US" dirty="0" smtClean="0"/>
-              <a:t>Approach</a:t>
-            </a:r>
-            <a:endParaRPr lang="en-US" dirty="0"/>
-          </a:p>
-        </p:txBody>
-      </p:sp>
-      <p:sp>
-        <p:nvSpPr>
-          <p:cNvPr id="3" name="Content Placeholder 2"/>
-          <p:cNvSpPr>
-            <a:spLocks noGrp="1"/>
-          </p:cNvSpPr>
-          <p:nvPr>
-            <p:ph idx="1"/>
-          </p:nvPr>
-        </p:nvSpPr>
-        <p:spPr/>
-        <p:txBody>
-          <a:bodyPr>
-            <a:normAutofit/>
-          </a:bodyPr>
-          <a:lstStyle/>
-          <a:p>
-            <a:endParaRPr lang="en-US" sz="2800" dirty="0" smtClean="0">
-              <a:solidFill>
-                <a:schemeClr val="tx1"/>
-              </a:solidFill>
-            </a:endParaRPr>
-          </a:p>
-          <a:p>
-            <a:r>
-              <a:rPr lang="en-US" sz="2800" dirty="0" smtClean="0">
-                <a:solidFill>
-                  <a:schemeClr val="tx1"/>
-                </a:solidFill>
-              </a:rPr>
-              <a:t>Produces </a:t>
-            </a:r>
-            <a:r>
-              <a:rPr lang="en-US" sz="2800" dirty="0" smtClean="0">
-                <a:solidFill>
-                  <a:schemeClr val="tx1"/>
-                </a:solidFill>
-              </a:rPr>
-              <a:t>Output Signal and Estimated Error </a:t>
-            </a:r>
-          </a:p>
-          <a:p>
-            <a:endParaRPr lang="en-US" sz="2800" dirty="0" smtClean="0">
-              <a:solidFill>
-                <a:schemeClr val="tx1"/>
-              </a:solidFill>
-            </a:endParaRPr>
-          </a:p>
-          <a:p>
-            <a:r>
-              <a:rPr lang="en-US" sz="2800" dirty="0" smtClean="0">
-                <a:solidFill>
-                  <a:schemeClr val="tx1"/>
-                </a:solidFill>
-              </a:rPr>
-              <a:t>Uses </a:t>
-            </a:r>
-            <a:r>
-              <a:rPr lang="en-US" sz="2800" dirty="0">
-                <a:solidFill>
-                  <a:schemeClr val="tx1"/>
-                </a:solidFill>
-              </a:rPr>
-              <a:t>Error Signal to </a:t>
-            </a:r>
-            <a:r>
-              <a:rPr lang="en-US" sz="2800" dirty="0" smtClean="0">
-                <a:solidFill>
-                  <a:schemeClr val="tx1"/>
-                </a:solidFill>
-              </a:rPr>
-              <a:t>Adjust the Filter’s Tap Weights to Create an Adaptive Filter</a:t>
-            </a:r>
-            <a:endParaRPr lang="en-US" sz="2800" dirty="0">
-              <a:solidFill>
-                <a:schemeClr val="tx1"/>
-              </a:solidFill>
-            </a:endParaRPr>
-          </a:p>
-          <a:p>
-            <a:pPr lvl="1"/>
-            <a:r>
-              <a:rPr lang="en-US" sz="2000" dirty="0">
-                <a:solidFill>
-                  <a:schemeClr val="tx1"/>
-                </a:solidFill>
-              </a:rPr>
-              <a:t>Adaptive </a:t>
-            </a:r>
-            <a:r>
-              <a:rPr lang="en-US" sz="2000" dirty="0" smtClean="0">
-                <a:solidFill>
-                  <a:schemeClr val="tx1"/>
-                </a:solidFill>
-              </a:rPr>
-              <a:t>Canceller</a:t>
-            </a:r>
-          </a:p>
-          <a:p>
-            <a:pPr lvl="1"/>
-            <a:r>
-              <a:rPr lang="en-US" sz="2000" dirty="0" smtClean="0">
-                <a:solidFill>
-                  <a:schemeClr val="tx1"/>
-                </a:solidFill>
-              </a:rPr>
-              <a:t>Desired signal trains </a:t>
-            </a:r>
-            <a:r>
-              <a:rPr lang="en-US" sz="2000" dirty="0">
-                <a:solidFill>
-                  <a:schemeClr val="tx1"/>
-                </a:solidFill>
-              </a:rPr>
-              <a:t>the filter</a:t>
-            </a:r>
-          </a:p>
-          <a:p>
-            <a:pPr lvl="1"/>
-            <a:r>
-              <a:rPr lang="en-US" sz="2000" dirty="0">
-                <a:solidFill>
-                  <a:schemeClr val="tx1"/>
-                </a:solidFill>
-              </a:rPr>
-              <a:t>System Identification-the combined response of mic model and </a:t>
-            </a:r>
-            <a:r>
-              <a:rPr lang="en-US" sz="2000" dirty="0" err="1">
-                <a:solidFill>
-                  <a:schemeClr val="tx1"/>
-                </a:solidFill>
-              </a:rPr>
-              <a:t>hs</a:t>
-            </a:r>
-            <a:r>
-              <a:rPr lang="en-US" sz="2000" dirty="0">
-                <a:solidFill>
-                  <a:schemeClr val="tx1"/>
-                </a:solidFill>
-              </a:rPr>
-              <a:t> model</a:t>
-            </a:r>
-          </a:p>
-          <a:p>
-            <a:endParaRPr lang="en-US" sz="2800" dirty="0" smtClean="0">
-              <a:solidFill>
-                <a:schemeClr val="tx1"/>
-              </a:solidFill>
-            </a:endParaRPr>
-          </a:p>
-          <a:p>
-            <a:pPr marL="457200" lvl="1" indent="0">
-              <a:buNone/>
-            </a:pPr>
-            <a:endParaRPr lang="en-US" sz="2000" dirty="0" smtClean="0">
-              <a:solidFill>
-                <a:schemeClr val="tx1"/>
-              </a:solidFill>
-            </a:endParaRPr>
-          </a:p>
-          <a:p>
-            <a:pPr lvl="1"/>
-            <a:endParaRPr lang="en-US" dirty="0" smtClean="0"/>
-          </a:p>
-          <a:p>
-            <a:pPr lvl="1"/>
-            <a:endParaRPr lang="en-US" dirty="0"/>
-          </a:p>
-        </p:txBody>
-      </p:sp>
-      <p:sp>
-        <p:nvSpPr>
-          <p:cNvPr id="4" name="Footer Placeholder 3"/>
-          <p:cNvSpPr>
-            <a:spLocks noGrp="1"/>
-          </p:cNvSpPr>
-          <p:nvPr>
-            <p:ph type="ftr" sz="quarter" idx="11"/>
-          </p:nvPr>
-        </p:nvSpPr>
-        <p:spPr/>
-        <p:txBody>
-          <a:bodyPr/>
-          <a:lstStyle/>
-          <a:p>
-            <a:r>
-              <a:rPr lang="en-US" smtClean="0"/>
-              <a:t>TCNJ MUSE 2015</a:t>
-            </a:r>
-            <a:endParaRPr lang="en-US"/>
-          </a:p>
-        </p:txBody>
-      </p:sp>
-      <p:sp>
-        <p:nvSpPr>
-          <p:cNvPr id="5" name="Slide Number Placeholder 4"/>
-          <p:cNvSpPr>
-            <a:spLocks noGrp="1"/>
-          </p:cNvSpPr>
-          <p:nvPr>
-            <p:ph type="sldNum" sz="quarter" idx="12"/>
-          </p:nvPr>
-        </p:nvSpPr>
-        <p:spPr/>
-        <p:txBody>
-          <a:bodyPr/>
-          <a:lstStyle/>
-          <a:p>
-            <a:fld id="{C53DB21E-FC87-4CEB-9F08-72115818CB5C}" type="slidenum">
-              <a:rPr lang="en-US" smtClean="0"/>
-              <a:t>6</a:t>
-            </a:fld>
-            <a:endParaRPr lang="en-US"/>
-          </a:p>
-        </p:txBody>
-      </p:sp>
-    </p:spTree>
-    <p:extLst>
-      <p:ext uri="{BB962C8B-B14F-4D97-AF65-F5344CB8AC3E}">
-        <p14:creationId xmlns:p14="http://schemas.microsoft.com/office/powerpoint/2010/main" val="298628812"/>
       </p:ext>
     </p:extLst>
   </p:cSld>
@@ -8708,7 +9118,7 @@
           <p:nvPr/>
         </p:nvPicPr>
         <p:blipFill>
-          <a:blip r:embed="rId2">
+          <a:blip r:embed="rId3">
             <a:extLst>
               <a:ext uri="{28A0092B-C50C-407E-A947-70E740481C1C}">
                 <a14:useLocalDpi xmlns:a14="http://schemas.microsoft.com/office/drawing/2010/main" val="0"/>
@@ -8721,7 +9131,7 @@
         </p:blipFill>
         <p:spPr>
           <a:xfrm>
-            <a:off x="5410200" y="3352800"/>
+            <a:off x="5715000" y="3352800"/>
             <a:ext cx="3562304" cy="2651760"/>
           </a:xfrm>
           <a:prstGeom prst="rect">
@@ -8780,51 +9190,139 @@
           <a:lstStyle/>
           <a:p>
             <a:r>
-              <a:rPr lang="en-US" sz="2800" dirty="0">
+              <a:rPr lang="en-US" sz="2800" dirty="0" smtClean="0">
                 <a:solidFill>
                   <a:schemeClr val="tx1"/>
                 </a:solidFill>
               </a:rPr>
-              <a:t>Stochastic Gradient</a:t>
-            </a:r>
-            <a:endParaRPr lang="en-US" sz="2800" dirty="0" smtClean="0">
+              <a:t>Normalized LMS</a:t>
+            </a:r>
+          </a:p>
+          <a:p>
+            <a:pPr lvl="1"/>
+            <a:r>
+              <a:rPr lang="en-US" sz="2000" dirty="0" err="1" smtClean="0">
+                <a:solidFill>
+                  <a:schemeClr val="tx1"/>
+                </a:solidFill>
+              </a:rPr>
+              <a:t>rs</a:t>
+            </a:r>
+            <a:r>
+              <a:rPr lang="en-US" sz="2000" dirty="0" smtClean="0">
+                <a:solidFill>
+                  <a:schemeClr val="tx1"/>
+                </a:solidFill>
+              </a:rPr>
+              <a:t> = multiply </a:t>
+            </a:r>
+            <a:r>
+              <a:rPr lang="en-US" sz="2000" dirty="0" err="1" smtClean="0">
+                <a:solidFill>
+                  <a:schemeClr val="tx1"/>
+                </a:solidFill>
+              </a:rPr>
+              <a:t>recent_samps</a:t>
+            </a:r>
+            <a:r>
+              <a:rPr lang="en-US" sz="2000" dirty="0" smtClean="0">
+                <a:solidFill>
+                  <a:schemeClr val="tx1"/>
+                </a:solidFill>
+              </a:rPr>
+              <a:t> by transposed version</a:t>
+            </a:r>
+          </a:p>
+          <a:p>
+            <a:pPr lvl="1"/>
+            <a:r>
+              <a:rPr lang="en-US" sz="2000" dirty="0" smtClean="0">
+                <a:solidFill>
+                  <a:schemeClr val="tx1"/>
+                </a:solidFill>
+              </a:rPr>
+              <a:t>For the length of the filter order (150)</a:t>
+            </a:r>
+          </a:p>
+          <a:p>
+            <a:pPr lvl="1"/>
+            <a:r>
+              <a:rPr lang="en-US" sz="1900" dirty="0" err="1" smtClean="0">
+                <a:solidFill>
+                  <a:schemeClr val="tx1"/>
+                </a:solidFill>
+              </a:rPr>
+              <a:t>Model_coeffs</a:t>
+            </a:r>
+            <a:r>
+              <a:rPr lang="en-US" sz="1900" dirty="0" smtClean="0">
+                <a:solidFill>
+                  <a:schemeClr val="tx1"/>
+                </a:solidFill>
+              </a:rPr>
+              <a:t> – mu * </a:t>
+            </a:r>
+            <a:r>
+              <a:rPr lang="en-US" sz="1900" dirty="0">
+                <a:solidFill>
+                  <a:schemeClr val="tx1"/>
+                </a:solidFill>
+              </a:rPr>
+              <a:t>e * </a:t>
+            </a:r>
+            <a:r>
+              <a:rPr lang="en-US" sz="1900" dirty="0" err="1" smtClean="0">
+                <a:solidFill>
+                  <a:schemeClr val="tx1"/>
+                </a:solidFill>
+              </a:rPr>
+              <a:t>recent_samps</a:t>
+            </a:r>
+            <a:r>
+              <a:rPr lang="en-US" sz="1900" dirty="0" smtClean="0">
+                <a:solidFill>
+                  <a:schemeClr val="tx1"/>
+                </a:solidFill>
+              </a:rPr>
+              <a:t> /(</a:t>
+            </a:r>
+            <a:r>
+              <a:rPr lang="en-US" sz="1900" dirty="0">
+                <a:solidFill>
+                  <a:schemeClr val="tx1"/>
+                </a:solidFill>
+              </a:rPr>
+              <a:t>0.000001 </a:t>
+            </a:r>
+            <a:r>
+              <a:rPr lang="en-US" sz="1900" dirty="0" smtClean="0">
+                <a:solidFill>
+                  <a:schemeClr val="tx1"/>
+                </a:solidFill>
+              </a:rPr>
+              <a:t>+ </a:t>
+            </a:r>
+            <a:r>
+              <a:rPr lang="en-US" sz="1900" dirty="0" err="1" smtClean="0">
+                <a:solidFill>
+                  <a:schemeClr val="tx1"/>
+                </a:solidFill>
+              </a:rPr>
+              <a:t>rs</a:t>
+            </a:r>
+            <a:r>
+              <a:rPr lang="en-US" sz="1900" dirty="0" smtClean="0">
+                <a:solidFill>
+                  <a:schemeClr val="tx1"/>
+                </a:solidFill>
+              </a:rPr>
+              <a:t>);</a:t>
+            </a:r>
+            <a:endParaRPr lang="en-US" sz="1900" dirty="0">
               <a:solidFill>
                 <a:schemeClr val="tx1"/>
               </a:solidFill>
             </a:endParaRPr>
-          </a:p>
-          <a:p>
-            <a:endParaRPr lang="en-US" sz="2800" dirty="0" smtClean="0">
-              <a:solidFill>
-                <a:schemeClr val="tx1"/>
-              </a:solidFill>
-            </a:endParaRPr>
-          </a:p>
-          <a:p>
-            <a:r>
-              <a:rPr lang="en-US" sz="2800" dirty="0" smtClean="0">
-                <a:solidFill>
-                  <a:schemeClr val="tx1"/>
-                </a:solidFill>
-              </a:rPr>
-              <a:t>Mu</a:t>
-            </a:r>
-            <a:endParaRPr lang="en-US" sz="2800" dirty="0" smtClean="0">
-              <a:solidFill>
-                <a:schemeClr val="tx1"/>
-              </a:solidFill>
-            </a:endParaRPr>
-          </a:p>
-          <a:p>
-            <a:pPr lvl="1"/>
-            <a:r>
-              <a:rPr lang="en-US" sz="2000" dirty="0" smtClean="0">
-                <a:solidFill>
-                  <a:schemeClr val="tx1"/>
-                </a:solidFill>
-              </a:rPr>
-              <a:t>Step Size descending down the parabola</a:t>
-            </a:r>
           </a:p>
           <a:p>
             <a:pPr lvl="1"/>
@@ -8835,31 +9333,65 @@
             </a:endParaRPr>
           </a:p>
           <a:p>
-            <a:pPr lvl="1"/>
-            <a:r>
-              <a:rPr lang="en-US" sz="2000" dirty="0" smtClean="0">
+            <a:r>
+              <a:rPr lang="en-US" sz="2800" dirty="0" smtClean="0">
                 <a:solidFill>
                   <a:schemeClr val="tx1"/>
                 </a:solidFill>
               </a:rPr>
-              <a:t>Closer </a:t>
-            </a:r>
-            <a:r>
-              <a:rPr lang="en-US" sz="2000" dirty="0" smtClean="0">
-                <a:solidFill>
-                  <a:schemeClr val="tx1"/>
-                </a:solidFill>
-              </a:rPr>
-              <a:t>to optimum of parabola</a:t>
-            </a:r>
-          </a:p>
-          <a:p>
-            <a:pPr lvl="1"/>
-            <a:endParaRPr lang="en-US" sz="2000" dirty="0" smtClean="0">
+              <a:t>Mu</a:t>
+            </a:r>
+            <a:endParaRPr lang="en-US" sz="2800" dirty="0" smtClean="0">
               <a:solidFill>
                 <a:schemeClr val="tx1"/>
               </a:solidFill>
             </a:endParaRPr>
+          </a:p>
+          <a:p>
+            <a:pPr lvl="1"/>
+            <a:r>
+              <a:rPr lang="en-US" sz="2000" dirty="0" smtClean="0">
+                <a:solidFill>
+                  <a:schemeClr val="tx1"/>
+                </a:solidFill>
+              </a:rPr>
+              <a:t>Step Size descending down the </a:t>
+            </a:r>
+            <a:r>
+              <a:rPr lang="en-US" sz="2000" dirty="0" smtClean="0">
+                <a:solidFill>
+                  <a:schemeClr val="tx1"/>
+                </a:solidFill>
+              </a:rPr>
+              <a:t>parabola</a:t>
+            </a:r>
+          </a:p>
+          <a:p>
+            <a:pPr lvl="1"/>
+            <a:r>
+              <a:rPr lang="en-US" sz="2000" dirty="0" smtClean="0">
+                <a:solidFill>
+                  <a:schemeClr val="tx1"/>
+                </a:solidFill>
+              </a:rPr>
+              <a:t>Closer </a:t>
+            </a:r>
+            <a:r>
+              <a:rPr lang="en-US" sz="2000" dirty="0" smtClean="0">
+                <a:solidFill>
+                  <a:schemeClr val="tx1"/>
+                </a:solidFill>
+              </a:rPr>
+              <a:t>to optimum of </a:t>
+            </a:r>
+            <a:r>
+              <a:rPr lang="en-US" sz="2000" dirty="0" smtClean="0">
+                <a:solidFill>
+                  <a:schemeClr val="tx1"/>
+                </a:solidFill>
+              </a:rPr>
+              <a:t>parabola</a:t>
+            </a:r>
           </a:p>
           <a:p>
             <a:pPr lvl="1"/>
@@ -9458,7 +9990,7 @@
                                     </p:set>
                                     <p:animEffect transition="in" filter="fade">
                                       <p:cBhvr>
-                                        <p:cTn id="7" dur="1250"/>
+                                        <p:cTn id="7" dur="1000"/>
                                         <p:tgtEl>
                                           <p:spTgt spid="5"/>
                                         </p:tgtEl>
@@ -9511,7 +10043,7 @@
                                     </p:set>
                                     <p:animEffect transition="in" filter="fade">
                                       <p:cBhvr>
-                                        <p:cTn id="12" dur="1250"/>
+                                        <p:cTn id="12" dur="1000"/>
                                         <p:tgtEl>
                                           <p:spTgt spid="1028"/>
                                         </p:tgtEl>
@@ -9546,7 +10078,7 @@
                                   <p:childTnLst>
                                     <p:animEffect transition="out" filter="fade">
                                       <p:cBhvr>
-                                        <p:cTn id="16" dur="1250"/>
+                                        <p:cTn id="16" dur="1000"/>
                                         <p:tgtEl>
                                           <p:spTgt spid="1028"/>
                                         </p:tgtEl>
@@ -9556,7 +10088,7 @@
                                       <p:cBhvr>
                                         <p:cTn id="17" dur="1" fill="hold">
                                           <p:stCondLst>
-                                            <p:cond delay="1249"/>
+                                            <p:cond delay="999"/>
                                           </p:stCondLst>
                                         </p:cTn>
                                         <p:tgtEl>
@@ -9599,7 +10131,7 @@
                                   <p:childTnLst>
                                     <p:animEffect transition="out" filter="fade">
                                       <p:cBhvr>
-                                        <p:cTn id="21" dur="1250"/>
+                                        <p:cTn id="21" dur="1000"/>
                                         <p:tgtEl>
                                           <p:spTgt spid="5"/>
                                         </p:tgtEl>
@@ -9609,7 +10141,7 @@
                                       <p:cBhvr>
                                         <p:cTn id="22" dur="1" fill="hold">
                                           <p:stCondLst>
-                                            <p:cond delay="1249"/>
+                                            <p:cond delay="999"/>
                                           </p:stCondLst>
                                         </p:cTn>
                                         <p:tgtEl>
@@ -9670,7 +10202,7 @@
                                     </p:set>
                                     <p:animEffect transition="in" filter="fade">
                                       <p:cBhvr>
-                                        <p:cTn id="27" dur="1250"/>
+                                        <p:cTn id="27" dur="1000"/>
                                         <p:tgtEl>
                                           <p:spTgt spid="1030"/>
                                         </p:tgtEl>
@@ -9723,7 +10255,7 @@
                                     </p:set>
                                     <p:animEffect transition="in" filter="fade">
                                       <p:cBhvr>
-                                        <p:cTn id="32" dur="1250"/>
+                                        <p:cTn id="32" dur="1000"/>
                                         <p:tgtEl>
                                           <p:spTgt spid="1029"/>
                                         </p:tgtEl>
@@ -9758,7 +10290,7 @@
                                   <p:childTnLst>
                                     <p:animEffect transition="out" filter="fade">
                                       <p:cBhvr>
-                                        <p:cTn id="36" dur="1250"/>
+                                        <p:cTn id="36" dur="1000"/>
                                         <p:tgtEl>
                                           <p:spTgt spid="1030"/>
                                         </p:tgtEl>
@@ -9768,7 +10300,7 @@
                                       <p:cBhvr>
                                         <p:cTn id="37" dur="1" fill="hold">
                                           <p:stCondLst>
-                                            <p:cond delay="1249"/>
+                                            <p:cond delay="999"/>
                                           </p:stCondLst>
                                         </p:cTn>
                                         <p:tgtEl>
@@ -9829,7 +10361,7 @@
                                     </p:set>
                                     <p:animEffect transition="in" filter="fade">
                                       <p:cBhvr>
-                                        <p:cTn id="42" dur="1250"/>
+                                        <p:cTn id="42" dur="1000"/>
                                         <p:tgtEl>
                                           <p:spTgt spid="1031"/>
                                         </p:tgtEl>
@@ -9864,7 +10396,7 @@
                                   <p:childTnLst>
                                     <p:animEffect transition="out" filter="fade">
                                       <p:cBhvr>
-                                        <p:cTn id="46" dur="1250"/>
+                                        <p:cTn id="46" dur="1000"/>
                                         <p:tgtEl>
                                           <p:spTgt spid="1029"/>
                                         </p:tgtEl>
@@ -9874,7 +10406,7 @@
                                       <p:cBhvr>
                                         <p:cTn id="47" dur="1" fill="hold">
                                           <p:stCondLst>
-                                            <p:cond delay="1249"/>
+                                            <p:cond delay="999"/>
                                           </p:stCondLst>
                                         </p:cTn>
                                         <p:tgtEl>
@@ -9917,7 +10449,7 @@
                                   <p:childTnLst>
                                     <p:animEffect transition="out" filter="fade">
                                       <p:cBhvr>
-                                        <p:cTn id="51" dur="1250"/>
+                                        <p:cTn id="51" dur="1000"/>
                                         <p:tgtEl>
                                           <p:spTgt spid="1031"/>
                                         </p:tgtEl>
@@ -9927,7 +10459,7 @@
                                       <p:cBhvr>
                                         <p:cTn id="52" dur="1" fill="hold">
                                           <p:stCondLst>
-                                            <p:cond delay="1249"/>
+                                            <p:cond delay="999"/>
                                           </p:stCondLst>
                                         </p:cTn>
                                         <p:tgtEl>
@@ -10476,7 +11008,7 @@
               </p:nextCondLst>
             </p:seq>
             <p:audio>
-              <p:cMediaNode vol="43396">
+              <p:cMediaNode vol="15094">
                 <p:cTn id="13" fill="hold" display="0">
                   <p:stCondLst>
                     <p:cond delay="indefinite"/>
